--- a/Final Presentation.pptx
+++ b/Final Presentation.pptx
@@ -210,7 +210,7 @@
           <a:p>
             <a:fld id="{C71466C6-D773-4C7A-8FC6-56D72631CCD2}" type="datetimeFigureOut">
               <a:rPr lang="en-GB" smtClean="0"/>
-              <a:t>03/05/2024</a:t>
+              <a:t>04/05/2024</a:t>
             </a:fld>
             <a:endParaRPr lang="en-GB"/>
           </a:p>
@@ -524,13 +524,43 @@
           <a:p>
             <a:r>
               <a:rPr lang="en-GB" dirty="0"/>
-              <a:t>Show program execution beforehand, maybe talk about “Final Project Plan” as well?</a:t>
-            </a:r>
-          </a:p>
-          <a:p>
-            <a:r>
-              <a:rPr lang="en-GB" dirty="0"/>
-              <a:t>Do NOT spend too long on sprints, they make up the majority of the slides, but aren’t very important</a:t>
+              <a:t>6 Minutes.</a:t>
+            </a:r>
+          </a:p>
+          <a:p>
+            <a:r>
+              <a:rPr lang="en-GB" dirty="0"/>
+              <a:t>Tentative assignments:</a:t>
+            </a:r>
+          </a:p>
+          <a:p>
+            <a:r>
+              <a:rPr lang="en-GB" dirty="0"/>
+              <a:t>1:30 – Application</a:t>
+            </a:r>
+          </a:p>
+          <a:p>
+            <a:r>
+              <a:rPr lang="en-GB" dirty="0"/>
+              <a:t>3:10 – Sprints</a:t>
+            </a:r>
+          </a:p>
+          <a:p>
+            <a:r>
+              <a:rPr lang="en-GB" dirty="0"/>
+              <a:t>0:10 – UML</a:t>
+            </a:r>
+          </a:p>
+          <a:p>
+            <a:r>
+              <a:rPr lang="en-GB" dirty="0"/>
+              <a:t>0:50 – Issues and Challenges</a:t>
+            </a:r>
+          </a:p>
+          <a:p>
+            <a:r>
+              <a:rPr lang="en-GB" dirty="0"/>
+              <a:t>0:20 - Poster</a:t>
             </a:r>
           </a:p>
         </p:txBody>
@@ -552,7 +582,7 @@
           <a:p>
             <a:fld id="{FF5DE285-6D53-419F-AC7C-13B27FCD7BB3}" type="slidenum">
               <a:rPr lang="en-GB" smtClean="0"/>
-              <a:t>2</a:t>
+              <a:t>1</a:t>
             </a:fld>
             <a:endParaRPr lang="en-GB"/>
           </a:p>
@@ -561,7 +591,7 @@
     </p:spTree>
     <p:extLst>
       <p:ext uri="{BB962C8B-B14F-4D97-AF65-F5344CB8AC3E}">
-        <p14:creationId xmlns:p14="http://schemas.microsoft.com/office/powerpoint/2010/main" val="4258565192"/>
+        <p14:creationId xmlns:p14="http://schemas.microsoft.com/office/powerpoint/2010/main" val="3088139410"/>
       </p:ext>
     </p:extLst>
   </p:cSld>
@@ -617,6 +647,99 @@
           <a:p>
             <a:r>
               <a:rPr lang="en-GB" dirty="0"/>
+              <a:t>Major progress, leaving just two program-side tests.</a:t>
+            </a:r>
+          </a:p>
+          <a:p>
+            <a:r>
+              <a:rPr lang="en-GB" dirty="0"/>
+              <a:t>At this point, the program was fully functional and usable, but lacked security.</a:t>
+            </a:r>
+          </a:p>
+        </p:txBody>
+      </p:sp>
+      <p:sp>
+        <p:nvSpPr>
+          <p:cNvPr id="4" name="Slide Number Placeholder 3"/>
+          <p:cNvSpPr>
+            <a:spLocks noGrp="1"/>
+          </p:cNvSpPr>
+          <p:nvPr>
+            <p:ph type="sldNum" sz="quarter" idx="5"/>
+          </p:nvPr>
+        </p:nvSpPr>
+        <p:spPr/>
+        <p:txBody>
+          <a:bodyPr/>
+          <a:lstStyle/>
+          <a:p>
+            <a:fld id="{FF5DE285-6D53-419F-AC7C-13B27FCD7BB3}" type="slidenum">
+              <a:rPr lang="en-GB" smtClean="0"/>
+              <a:t>10</a:t>
+            </a:fld>
+            <a:endParaRPr lang="en-GB"/>
+          </a:p>
+        </p:txBody>
+      </p:sp>
+    </p:spTree>
+    <p:extLst>
+      <p:ext uri="{BB962C8B-B14F-4D97-AF65-F5344CB8AC3E}">
+        <p14:creationId xmlns:p14="http://schemas.microsoft.com/office/powerpoint/2010/main" val="702458890"/>
+      </p:ext>
+    </p:extLst>
+  </p:cSld>
+  <p:clrMapOvr>
+    <a:masterClrMapping/>
+  </p:clrMapOvr>
+</p:notes>
+</file>
+
+<file path=ppt/notesSlides/notesSlide11.xml><?xml version="1.0" encoding="utf-8"?>
+<p:notes xmlns:a="http://schemas.openxmlformats.org/drawingml/2006/main" xmlns:r="http://schemas.openxmlformats.org/officeDocument/2006/relationships" xmlns:p="http://schemas.openxmlformats.org/presentationml/2006/main">
+  <p:cSld>
+    <p:spTree>
+      <p:nvGrpSpPr>
+        <p:cNvPr id="1" name=""/>
+        <p:cNvGrpSpPr/>
+        <p:nvPr/>
+      </p:nvGrpSpPr>
+      <p:grpSpPr>
+        <a:xfrm>
+          <a:off x="0" y="0"/>
+          <a:ext cx="0" cy="0"/>
+          <a:chOff x="0" y="0"/>
+          <a:chExt cx="0" cy="0"/>
+        </a:xfrm>
+      </p:grpSpPr>
+      <p:sp>
+        <p:nvSpPr>
+          <p:cNvPr id="2" name="Slide Image Placeholder 1"/>
+          <p:cNvSpPr>
+            <a:spLocks noGrp="1" noRot="1" noChangeAspect="1"/>
+          </p:cNvSpPr>
+          <p:nvPr>
+            <p:ph type="sldImg"/>
+          </p:nvPr>
+        </p:nvSpPr>
+        <p:spPr/>
+      </p:sp>
+      <p:sp>
+        <p:nvSpPr>
+          <p:cNvPr id="3" name="Notes Placeholder 2"/>
+          <p:cNvSpPr>
+            <a:spLocks noGrp="1"/>
+          </p:cNvSpPr>
+          <p:nvPr>
+            <p:ph type="body" idx="1"/>
+          </p:nvPr>
+        </p:nvSpPr>
+        <p:spPr/>
+        <p:txBody>
+          <a:bodyPr/>
+          <a:lstStyle/>
+          <a:p>
+            <a:r>
+              <a:rPr lang="en-GB" dirty="0"/>
               <a:t>This was the final sprint.</a:t>
             </a:r>
           </a:p>
@@ -664,7 +787,7 @@
 </p:notes>
 </file>
 
-<file path=ppt/notesSlides/notesSlide11.xml><?xml version="1.0" encoding="utf-8"?>
+<file path=ppt/notesSlides/notesSlide12.xml><?xml version="1.0" encoding="utf-8"?>
 <p:notes xmlns:a="http://schemas.openxmlformats.org/drawingml/2006/main" xmlns:r="http://schemas.openxmlformats.org/officeDocument/2006/relationships" xmlns:p="http://schemas.openxmlformats.org/presentationml/2006/main">
   <p:cSld>
     <p:spTree>
@@ -797,7 +920,13 @@
           <a:p>
             <a:r>
               <a:rPr lang="en-GB" dirty="0"/>
-              <a:t>Decent progress, not the best</a:t>
+              <a:t>Show program execution beforehand, maybe talk about “Final Project Plan” as well?</a:t>
+            </a:r>
+          </a:p>
+          <a:p>
+            <a:r>
+              <a:rPr lang="en-GB" dirty="0"/>
+              <a:t>Do NOT spend too long on sprints, they make up the majority of the slides, but aren’t very important</a:t>
             </a:r>
           </a:p>
         </p:txBody>
@@ -819,7 +948,7 @@
           <a:p>
             <a:fld id="{FF5DE285-6D53-419F-AC7C-13B27FCD7BB3}" type="slidenum">
               <a:rPr lang="en-GB" smtClean="0"/>
-              <a:t>3</a:t>
+              <a:t>2</a:t>
             </a:fld>
             <a:endParaRPr lang="en-GB"/>
           </a:p>
@@ -828,7 +957,7 @@
     </p:spTree>
     <p:extLst>
       <p:ext uri="{BB962C8B-B14F-4D97-AF65-F5344CB8AC3E}">
-        <p14:creationId xmlns:p14="http://schemas.microsoft.com/office/powerpoint/2010/main" val="3985701254"/>
+        <p14:creationId xmlns:p14="http://schemas.microsoft.com/office/powerpoint/2010/main" val="4258565192"/>
       </p:ext>
     </p:extLst>
   </p:cSld>
@@ -884,7 +1013,7 @@
           <a:p>
             <a:r>
               <a:rPr lang="en-GB" dirty="0"/>
-              <a:t>Again, decent progress for design</a:t>
+              <a:t>Decent progress, not the best</a:t>
             </a:r>
           </a:p>
         </p:txBody>
@@ -906,7 +1035,7 @@
           <a:p>
             <a:fld id="{FF5DE285-6D53-419F-AC7C-13B27FCD7BB3}" type="slidenum">
               <a:rPr lang="en-GB" smtClean="0"/>
-              <a:t>4</a:t>
+              <a:t>3</a:t>
             </a:fld>
             <a:endParaRPr lang="en-GB"/>
           </a:p>
@@ -915,7 +1044,7 @@
     </p:spTree>
     <p:extLst>
       <p:ext uri="{BB962C8B-B14F-4D97-AF65-F5344CB8AC3E}">
-        <p14:creationId xmlns:p14="http://schemas.microsoft.com/office/powerpoint/2010/main" val="3333105189"/>
+        <p14:creationId xmlns:p14="http://schemas.microsoft.com/office/powerpoint/2010/main" val="3985701254"/>
       </p:ext>
     </p:extLst>
   </p:cSld>
@@ -971,7 +1100,7 @@
           <a:p>
             <a:r>
               <a:rPr lang="en-GB" dirty="0"/>
-              <a:t>Bad progress towards the project, but a major submission was completed</a:t>
+              <a:t>Again, decent progress for design</a:t>
             </a:r>
           </a:p>
         </p:txBody>
@@ -993,7 +1122,7 @@
           <a:p>
             <a:fld id="{FF5DE285-6D53-419F-AC7C-13B27FCD7BB3}" type="slidenum">
               <a:rPr lang="en-GB" smtClean="0"/>
-              <a:t>5</a:t>
+              <a:t>4</a:t>
             </a:fld>
             <a:endParaRPr lang="en-GB"/>
           </a:p>
@@ -1002,7 +1131,7 @@
     </p:spTree>
     <p:extLst>
       <p:ext uri="{BB962C8B-B14F-4D97-AF65-F5344CB8AC3E}">
-        <p14:creationId xmlns:p14="http://schemas.microsoft.com/office/powerpoint/2010/main" val="1162701366"/>
+        <p14:creationId xmlns:p14="http://schemas.microsoft.com/office/powerpoint/2010/main" val="3333105189"/>
       </p:ext>
     </p:extLst>
   </p:cSld>
@@ -1058,7 +1187,7 @@
           <a:p>
             <a:r>
               <a:rPr lang="en-GB" dirty="0"/>
-              <a:t>Work was done, but no tasks were completed. Overestimated capacity.</a:t>
+              <a:t>Bad progress towards the project, but a major submission was completed</a:t>
             </a:r>
           </a:p>
         </p:txBody>
@@ -1080,7 +1209,7 @@
           <a:p>
             <a:fld id="{FF5DE285-6D53-419F-AC7C-13B27FCD7BB3}" type="slidenum">
               <a:rPr lang="en-GB" smtClean="0"/>
-              <a:t>6</a:t>
+              <a:t>5</a:t>
             </a:fld>
             <a:endParaRPr lang="en-GB"/>
           </a:p>
@@ -1089,7 +1218,7 @@
     </p:spTree>
     <p:extLst>
       <p:ext uri="{BB962C8B-B14F-4D97-AF65-F5344CB8AC3E}">
-        <p14:creationId xmlns:p14="http://schemas.microsoft.com/office/powerpoint/2010/main" val="2142207143"/>
+        <p14:creationId xmlns:p14="http://schemas.microsoft.com/office/powerpoint/2010/main" val="1162701366"/>
       </p:ext>
     </p:extLst>
   </p:cSld>
@@ -1145,7 +1274,7 @@
           <a:p>
             <a:r>
               <a:rPr lang="en-GB" dirty="0"/>
-              <a:t>Little progress made due to JS file management difficulties</a:t>
+              <a:t>Work was done, but no tasks were completed. Overestimated capacity.</a:t>
             </a:r>
           </a:p>
         </p:txBody>
@@ -1167,7 +1296,7 @@
           <a:p>
             <a:fld id="{FF5DE285-6D53-419F-AC7C-13B27FCD7BB3}" type="slidenum">
               <a:rPr lang="en-GB" smtClean="0"/>
-              <a:t>7</a:t>
+              <a:t>6</a:t>
             </a:fld>
             <a:endParaRPr lang="en-GB"/>
           </a:p>
@@ -1176,7 +1305,7 @@
     </p:spTree>
     <p:extLst>
       <p:ext uri="{BB962C8B-B14F-4D97-AF65-F5344CB8AC3E}">
-        <p14:creationId xmlns:p14="http://schemas.microsoft.com/office/powerpoint/2010/main" val="2470643570"/>
+        <p14:creationId xmlns:p14="http://schemas.microsoft.com/office/powerpoint/2010/main" val="2142207143"/>
       </p:ext>
     </p:extLst>
   </p:cSld>
@@ -1232,7 +1361,7 @@
           <a:p>
             <a:r>
               <a:rPr lang="en-GB" dirty="0"/>
-              <a:t>Major progress</a:t>
+              <a:t>Little progress made due to JS file management difficulties</a:t>
             </a:r>
           </a:p>
         </p:txBody>
@@ -1254,7 +1383,7 @@
           <a:p>
             <a:fld id="{FF5DE285-6D53-419F-AC7C-13B27FCD7BB3}" type="slidenum">
               <a:rPr lang="en-GB" smtClean="0"/>
-              <a:t>8</a:t>
+              <a:t>7</a:t>
             </a:fld>
             <a:endParaRPr lang="en-GB"/>
           </a:p>
@@ -1263,7 +1392,7 @@
     </p:spTree>
     <p:extLst>
       <p:ext uri="{BB962C8B-B14F-4D97-AF65-F5344CB8AC3E}">
-        <p14:creationId xmlns:p14="http://schemas.microsoft.com/office/powerpoint/2010/main" val="2814224108"/>
+        <p14:creationId xmlns:p14="http://schemas.microsoft.com/office/powerpoint/2010/main" val="2470643570"/>
       </p:ext>
     </p:extLst>
   </p:cSld>
@@ -1319,7 +1448,7 @@
           <a:p>
             <a:r>
               <a:rPr lang="en-GB" dirty="0"/>
-              <a:t>Good progress, but on small tasks</a:t>
+              <a:t>Major progress</a:t>
             </a:r>
           </a:p>
         </p:txBody>
@@ -1341,7 +1470,7 @@
           <a:p>
             <a:fld id="{FF5DE285-6D53-419F-AC7C-13B27FCD7BB3}" type="slidenum">
               <a:rPr lang="en-GB" smtClean="0"/>
-              <a:t>9</a:t>
+              <a:t>8</a:t>
             </a:fld>
             <a:endParaRPr lang="en-GB"/>
           </a:p>
@@ -1350,7 +1479,7 @@
     </p:spTree>
     <p:extLst>
       <p:ext uri="{BB962C8B-B14F-4D97-AF65-F5344CB8AC3E}">
-        <p14:creationId xmlns:p14="http://schemas.microsoft.com/office/powerpoint/2010/main" val="2934004945"/>
+        <p14:creationId xmlns:p14="http://schemas.microsoft.com/office/powerpoint/2010/main" val="2814224108"/>
       </p:ext>
     </p:extLst>
   </p:cSld>
@@ -1406,13 +1535,7 @@
           <a:p>
             <a:r>
               <a:rPr lang="en-GB" dirty="0"/>
-              <a:t>Major progress, leaving just two program-side tests.</a:t>
-            </a:r>
-          </a:p>
-          <a:p>
-            <a:r>
-              <a:rPr lang="en-GB" dirty="0"/>
-              <a:t>At this point, the program was fully functional and usable, but lacked security.</a:t>
+              <a:t>Good progress, but on small tasks</a:t>
             </a:r>
           </a:p>
         </p:txBody>
@@ -1434,7 +1557,7 @@
           <a:p>
             <a:fld id="{FF5DE285-6D53-419F-AC7C-13B27FCD7BB3}" type="slidenum">
               <a:rPr lang="en-GB" smtClean="0"/>
-              <a:t>10</a:t>
+              <a:t>9</a:t>
             </a:fld>
             <a:endParaRPr lang="en-GB"/>
           </a:p>
@@ -1443,7 +1566,7 @@
     </p:spTree>
     <p:extLst>
       <p:ext uri="{BB962C8B-B14F-4D97-AF65-F5344CB8AC3E}">
-        <p14:creationId xmlns:p14="http://schemas.microsoft.com/office/powerpoint/2010/main" val="702458890"/>
+        <p14:creationId xmlns:p14="http://schemas.microsoft.com/office/powerpoint/2010/main" val="2934004945"/>
       </p:ext>
     </p:extLst>
   </p:cSld>
@@ -1602,7 +1725,7 @@
           <a:p>
             <a:fld id="{FBB74658-6D3F-4257-9757-05395A3DAEDC}" type="datetimeFigureOut">
               <a:rPr lang="en-GB" smtClean="0"/>
-              <a:t>03/05/2024</a:t>
+              <a:t>04/05/2024</a:t>
             </a:fld>
             <a:endParaRPr lang="en-GB"/>
           </a:p>
@@ -1802,7 +1925,7 @@
           <a:p>
             <a:fld id="{FBB74658-6D3F-4257-9757-05395A3DAEDC}" type="datetimeFigureOut">
               <a:rPr lang="en-GB" smtClean="0"/>
-              <a:t>03/05/2024</a:t>
+              <a:t>04/05/2024</a:t>
             </a:fld>
             <a:endParaRPr lang="en-GB"/>
           </a:p>
@@ -2012,7 +2135,7 @@
           <a:p>
             <a:fld id="{FBB74658-6D3F-4257-9757-05395A3DAEDC}" type="datetimeFigureOut">
               <a:rPr lang="en-GB" smtClean="0"/>
-              <a:t>03/05/2024</a:t>
+              <a:t>04/05/2024</a:t>
             </a:fld>
             <a:endParaRPr lang="en-GB"/>
           </a:p>
@@ -2212,7 +2335,7 @@
           <a:p>
             <a:fld id="{FBB74658-6D3F-4257-9757-05395A3DAEDC}" type="datetimeFigureOut">
               <a:rPr lang="en-GB" smtClean="0"/>
-              <a:t>03/05/2024</a:t>
+              <a:t>04/05/2024</a:t>
             </a:fld>
             <a:endParaRPr lang="en-GB"/>
           </a:p>
@@ -2488,7 +2611,7 @@
           <a:p>
             <a:fld id="{FBB74658-6D3F-4257-9757-05395A3DAEDC}" type="datetimeFigureOut">
               <a:rPr lang="en-GB" smtClean="0"/>
-              <a:t>03/05/2024</a:t>
+              <a:t>04/05/2024</a:t>
             </a:fld>
             <a:endParaRPr lang="en-GB"/>
           </a:p>
@@ -2756,7 +2879,7 @@
           <a:p>
             <a:fld id="{FBB74658-6D3F-4257-9757-05395A3DAEDC}" type="datetimeFigureOut">
               <a:rPr lang="en-GB" smtClean="0"/>
-              <a:t>03/05/2024</a:t>
+              <a:t>04/05/2024</a:t>
             </a:fld>
             <a:endParaRPr lang="en-GB"/>
           </a:p>
@@ -3171,7 +3294,7 @@
           <a:p>
             <a:fld id="{FBB74658-6D3F-4257-9757-05395A3DAEDC}" type="datetimeFigureOut">
               <a:rPr lang="en-GB" smtClean="0"/>
-              <a:t>03/05/2024</a:t>
+              <a:t>04/05/2024</a:t>
             </a:fld>
             <a:endParaRPr lang="en-GB"/>
           </a:p>
@@ -3313,7 +3436,7 @@
           <a:p>
             <a:fld id="{FBB74658-6D3F-4257-9757-05395A3DAEDC}" type="datetimeFigureOut">
               <a:rPr lang="en-GB" smtClean="0"/>
-              <a:t>03/05/2024</a:t>
+              <a:t>04/05/2024</a:t>
             </a:fld>
             <a:endParaRPr lang="en-GB"/>
           </a:p>
@@ -3426,7 +3549,7 @@
           <a:p>
             <a:fld id="{FBB74658-6D3F-4257-9757-05395A3DAEDC}" type="datetimeFigureOut">
               <a:rPr lang="en-GB" smtClean="0"/>
-              <a:t>03/05/2024</a:t>
+              <a:t>04/05/2024</a:t>
             </a:fld>
             <a:endParaRPr lang="en-GB"/>
           </a:p>
@@ -3739,7 +3862,7 @@
           <a:p>
             <a:fld id="{FBB74658-6D3F-4257-9757-05395A3DAEDC}" type="datetimeFigureOut">
               <a:rPr lang="en-GB" smtClean="0"/>
-              <a:t>03/05/2024</a:t>
+              <a:t>04/05/2024</a:t>
             </a:fld>
             <a:endParaRPr lang="en-GB"/>
           </a:p>
@@ -4028,7 +4151,7 @@
           <a:p>
             <a:fld id="{FBB74658-6D3F-4257-9757-05395A3DAEDC}" type="datetimeFigureOut">
               <a:rPr lang="en-GB" smtClean="0"/>
-              <a:t>03/05/2024</a:t>
+              <a:t>04/05/2024</a:t>
             </a:fld>
             <a:endParaRPr lang="en-GB"/>
           </a:p>
@@ -4271,7 +4394,7 @@
           <a:p>
             <a:fld id="{FBB74658-6D3F-4257-9757-05395A3DAEDC}" type="datetimeFigureOut">
               <a:rPr lang="en-GB" smtClean="0"/>
-              <a:t>03/05/2024</a:t>
+              <a:t>04/05/2024</a:t>
             </a:fld>
             <a:endParaRPr lang="en-GB"/>
           </a:p>
@@ -4970,13 +5093,13 @@
   <p:clrMapOvr>
     <a:masterClrMapping/>
   </p:clrMapOvr>
-  <mc:AlternateContent xmlns:mc="http://schemas.openxmlformats.org/markup-compatibility/2006">
-    <mc:Choice xmlns:p14="http://schemas.microsoft.com/office/powerpoint/2010/main" Requires="p14">
+  <mc:AlternateContent xmlns:mc="http://schemas.openxmlformats.org/markup-compatibility/2006" xmlns:p14="http://schemas.microsoft.com/office/powerpoint/2010/main">
+    <mc:Choice Requires="p14">
       <p:transition>
         <p14:reveal/>
       </p:transition>
     </mc:Choice>
-    <mc:Fallback>
+    <mc:Fallback xmlns="">
       <p:transition>
         <p:fade/>
       </p:transition>
@@ -5149,13 +5272,13 @@
   <p:clrMapOvr>
     <a:masterClrMapping/>
   </p:clrMapOvr>
-  <mc:AlternateContent xmlns:mc="http://schemas.openxmlformats.org/markup-compatibility/2006">
-    <mc:Choice xmlns:p14="http://schemas.microsoft.com/office/powerpoint/2010/main" Requires="p14">
+  <mc:AlternateContent xmlns:mc="http://schemas.openxmlformats.org/markup-compatibility/2006" xmlns:p14="http://schemas.microsoft.com/office/powerpoint/2010/main">
+    <mc:Choice Requires="p14">
       <p:transition>
         <p14:reveal/>
       </p:transition>
     </mc:Choice>
-    <mc:Fallback>
+    <mc:Fallback xmlns="">
       <p:transition>
         <p:fade/>
       </p:transition>
@@ -5363,13 +5486,13 @@
   <p:clrMapOvr>
     <a:masterClrMapping/>
   </p:clrMapOvr>
-  <mc:AlternateContent xmlns:mc="http://schemas.openxmlformats.org/markup-compatibility/2006">
-    <mc:Choice xmlns:p14="http://schemas.microsoft.com/office/powerpoint/2010/main" Requires="p14">
+  <mc:AlternateContent xmlns:mc="http://schemas.openxmlformats.org/markup-compatibility/2006" xmlns:p14="http://schemas.microsoft.com/office/powerpoint/2010/main">
+    <mc:Choice Requires="p14">
       <p:transition>
         <p14:reveal/>
       </p:transition>
     </mc:Choice>
-    <mc:Fallback>
+    <mc:Fallback xmlns="">
       <p:transition>
         <p:fade/>
       </p:transition>
@@ -5445,14 +5568,57 @@
           <a:lstStyle/>
           <a:p>
             <a:r>
-              <a:rPr lang="en-GB" b="1" dirty="0"/>
-              <a:t>High level</a:t>
-            </a:r>
-            <a:r>
-              <a:rPr lang="en-GB" dirty="0"/>
-              <a:t> summary, not overly complicated nor long</a:t>
-            </a:r>
-            <a:endParaRPr lang="en-GB" b="1" dirty="0"/>
+              <a:rPr lang="en-GB" dirty="0"/>
+              <a:t>File handling</a:t>
+            </a:r>
+          </a:p>
+          <a:p>
+            <a:pPr lvl="1"/>
+            <a:r>
+              <a:rPr lang="en-GB" dirty="0"/>
+              <a:t>Difficulties during development</a:t>
+            </a:r>
+          </a:p>
+          <a:p>
+            <a:pPr lvl="1"/>
+            <a:r>
+              <a:rPr lang="en-GB" dirty="0"/>
+              <a:t>Inability to update files, only upload and download</a:t>
+            </a:r>
+          </a:p>
+          <a:p>
+            <a:pPr lvl="1"/>
+            <a:endParaRPr lang="en-GB" dirty="0"/>
+          </a:p>
+          <a:p>
+            <a:r>
+              <a:rPr lang="en-GB" dirty="0"/>
+              <a:t>Cryptography</a:t>
+            </a:r>
+          </a:p>
+          <a:p>
+            <a:pPr lvl="1"/>
+            <a:r>
+              <a:rPr lang="en-GB" dirty="0"/>
+              <a:t>Issues with the asynchronous nature of the library</a:t>
+            </a:r>
+          </a:p>
+          <a:p>
+            <a:pPr lvl="1"/>
+            <a:endParaRPr lang="en-GB" dirty="0"/>
+          </a:p>
+          <a:p>
+            <a:r>
+              <a:rPr lang="en-GB" dirty="0"/>
+              <a:t>Time Management</a:t>
+            </a:r>
+          </a:p>
+          <a:p>
+            <a:pPr lvl="1"/>
+            <a:r>
+              <a:rPr lang="en-GB" dirty="0"/>
+              <a:t>Ran out of development time, resulting in Encryption and Decryption being dropped</a:t>
+            </a:r>
           </a:p>
         </p:txBody>
       </p:sp>
@@ -5466,13 +5632,13 @@
   <p:clrMapOvr>
     <a:masterClrMapping/>
   </p:clrMapOvr>
-  <mc:AlternateContent xmlns:mc="http://schemas.openxmlformats.org/markup-compatibility/2006">
-    <mc:Choice xmlns:p14="http://schemas.microsoft.com/office/powerpoint/2010/main" Requires="p14">
+  <mc:AlternateContent xmlns:mc="http://schemas.openxmlformats.org/markup-compatibility/2006" xmlns:p14="http://schemas.microsoft.com/office/powerpoint/2010/main">
+    <mc:Choice Requires="p14">
       <p:transition>
         <p14:reveal/>
       </p:transition>
     </mc:Choice>
-    <mc:Fallback>
+    <mc:Fallback xmlns="">
       <p:transition>
         <p:fade/>
       </p:transition>
@@ -5544,13 +5710,13 @@
   <p:clrMapOvr>
     <a:masterClrMapping/>
   </p:clrMapOvr>
-  <mc:AlternateContent xmlns:mc="http://schemas.openxmlformats.org/markup-compatibility/2006">
-    <mc:Choice xmlns:p14="http://schemas.microsoft.com/office/powerpoint/2010/main" Requires="p14">
+  <mc:AlternateContent xmlns:mc="http://schemas.openxmlformats.org/markup-compatibility/2006" xmlns:p14="http://schemas.microsoft.com/office/powerpoint/2010/main">
+    <mc:Choice Requires="p14">
       <p:transition>
         <p14:reveal/>
       </p:transition>
     </mc:Choice>
-    <mc:Fallback>
+    <mc:Fallback xmlns="">
       <p:transition>
         <p:fade/>
       </p:transition>
@@ -5717,13 +5883,13 @@
   <p:clrMapOvr>
     <a:masterClrMapping/>
   </p:clrMapOvr>
-  <mc:AlternateContent xmlns:mc="http://schemas.openxmlformats.org/markup-compatibility/2006">
-    <mc:Choice xmlns:p14="http://schemas.microsoft.com/office/powerpoint/2010/main" Requires="p14">
+  <mc:AlternateContent xmlns:mc="http://schemas.openxmlformats.org/markup-compatibility/2006" xmlns:p14="http://schemas.microsoft.com/office/powerpoint/2010/main">
+    <mc:Choice Requires="p14">
       <p:transition>
         <p14:reveal/>
       </p:transition>
     </mc:Choice>
-    <mc:Fallback>
+    <mc:Fallback xmlns="">
       <p:transition>
         <p:fade/>
       </p:transition>
@@ -5962,13 +6128,13 @@
   <p:clrMapOvr>
     <a:masterClrMapping/>
   </p:clrMapOvr>
-  <mc:AlternateContent xmlns:mc="http://schemas.openxmlformats.org/markup-compatibility/2006">
-    <mc:Choice xmlns:p14="http://schemas.microsoft.com/office/powerpoint/2010/main" Requires="p14">
+  <mc:AlternateContent xmlns:mc="http://schemas.openxmlformats.org/markup-compatibility/2006" xmlns:p14="http://schemas.microsoft.com/office/powerpoint/2010/main">
+    <mc:Choice Requires="p14">
       <p:transition>
         <p14:reveal/>
       </p:transition>
     </mc:Choice>
-    <mc:Fallback>
+    <mc:Fallback xmlns="">
       <p:transition>
         <p:fade/>
       </p:transition>
@@ -6159,13 +6325,13 @@
   <p:clrMapOvr>
     <a:masterClrMapping/>
   </p:clrMapOvr>
-  <mc:AlternateContent xmlns:mc="http://schemas.openxmlformats.org/markup-compatibility/2006">
-    <mc:Choice xmlns:p14="http://schemas.microsoft.com/office/powerpoint/2010/main" Requires="p14">
+  <mc:AlternateContent xmlns:mc="http://schemas.openxmlformats.org/markup-compatibility/2006" xmlns:p14="http://schemas.microsoft.com/office/powerpoint/2010/main">
+    <mc:Choice Requires="p14">
       <p:transition>
         <p14:reveal/>
       </p:transition>
     </mc:Choice>
-    <mc:Fallback>
+    <mc:Fallback xmlns="">
       <p:transition>
         <p:fade/>
       </p:transition>
@@ -6340,13 +6506,13 @@
   <p:clrMapOvr>
     <a:masterClrMapping/>
   </p:clrMapOvr>
-  <mc:AlternateContent xmlns:mc="http://schemas.openxmlformats.org/markup-compatibility/2006">
-    <mc:Choice xmlns:p14="http://schemas.microsoft.com/office/powerpoint/2010/main" Requires="p14">
+  <mc:AlternateContent xmlns:mc="http://schemas.openxmlformats.org/markup-compatibility/2006" xmlns:p14="http://schemas.microsoft.com/office/powerpoint/2010/main">
+    <mc:Choice Requires="p14">
       <p:transition>
         <p14:reveal/>
       </p:transition>
     </mc:Choice>
-    <mc:Fallback>
+    <mc:Fallback xmlns="">
       <p:transition>
         <p:fade/>
       </p:transition>
@@ -6519,13 +6685,13 @@
   <p:clrMapOvr>
     <a:masterClrMapping/>
   </p:clrMapOvr>
-  <mc:AlternateContent xmlns:mc="http://schemas.openxmlformats.org/markup-compatibility/2006">
-    <mc:Choice xmlns:p14="http://schemas.microsoft.com/office/powerpoint/2010/main" Requires="p14">
+  <mc:AlternateContent xmlns:mc="http://schemas.openxmlformats.org/markup-compatibility/2006" xmlns:p14="http://schemas.microsoft.com/office/powerpoint/2010/main">
+    <mc:Choice Requires="p14">
       <p:transition>
         <p14:reveal/>
       </p:transition>
     </mc:Choice>
-    <mc:Fallback>
+    <mc:Fallback xmlns="">
       <p:transition>
         <p:fade/>
       </p:transition>
@@ -6686,13 +6852,13 @@
   <p:clrMapOvr>
     <a:masterClrMapping/>
   </p:clrMapOvr>
-  <mc:AlternateContent xmlns:mc="http://schemas.openxmlformats.org/markup-compatibility/2006">
-    <mc:Choice xmlns:p14="http://schemas.microsoft.com/office/powerpoint/2010/main" Requires="p14">
+  <mc:AlternateContent xmlns:mc="http://schemas.openxmlformats.org/markup-compatibility/2006" xmlns:p14="http://schemas.microsoft.com/office/powerpoint/2010/main">
+    <mc:Choice Requires="p14">
       <p:transition>
         <p14:reveal/>
       </p:transition>
     </mc:Choice>
-    <mc:Fallback>
+    <mc:Fallback xmlns="">
       <p:transition>
         <p:fade/>
       </p:transition>
@@ -6853,13 +7019,13 @@
   <p:clrMapOvr>
     <a:masterClrMapping/>
   </p:clrMapOvr>
-  <mc:AlternateContent xmlns:mc="http://schemas.openxmlformats.org/markup-compatibility/2006">
-    <mc:Choice xmlns:p14="http://schemas.microsoft.com/office/powerpoint/2010/main" Requires="p14">
+  <mc:AlternateContent xmlns:mc="http://schemas.openxmlformats.org/markup-compatibility/2006" xmlns:p14="http://schemas.microsoft.com/office/powerpoint/2010/main">
+    <mc:Choice Requires="p14">
       <p:transition>
         <p14:reveal/>
       </p:transition>
     </mc:Choice>
-    <mc:Fallback>
+    <mc:Fallback xmlns="">
       <p:transition>
         <p:fade/>
       </p:transition>
@@ -7049,13 +7215,13 @@
   <p:clrMapOvr>
     <a:masterClrMapping/>
   </p:clrMapOvr>
-  <mc:AlternateContent xmlns:mc="http://schemas.openxmlformats.org/markup-compatibility/2006">
-    <mc:Choice xmlns:p14="http://schemas.microsoft.com/office/powerpoint/2010/main" Requires="p14">
+  <mc:AlternateContent xmlns:mc="http://schemas.openxmlformats.org/markup-compatibility/2006" xmlns:p14="http://schemas.microsoft.com/office/powerpoint/2010/main">
+    <mc:Choice Requires="p14">
       <p:transition>
         <p14:reveal/>
       </p:transition>
     </mc:Choice>
-    <mc:Fallback>
+    <mc:Fallback xmlns="">
       <p:transition>
         <p:fade/>
       </p:transition>
